--- a/images/record/OpenStack_Stein_Install_Kolla-Ansible_Ubuntu_18.04_ODROID-H2_Cluster/OpenStack_Stein_Install_Ansible_Ubuntu_18.04_ODROID-H2_Cluster.pptx
+++ b/images/record/OpenStack_Stein_Install_Kolla-Ansible_Ubuntu_18.04_ODROID-H2_Cluster/OpenStack_Stein_Install_Ansible_Ubuntu_18.04_ODROID-H2_Cluster.pptx
@@ -213,7 +213,7 @@
           <a:p>
             <a:fld id="{6CD5550B-26C4-49A9-A5BA-636EF7BE6CE9}" type="datetimeFigureOut">
               <a:rPr lang="ko-KR" altLang="en-US" smtClean="0"/>
-              <a:t>2019-07-07</a:t>
+              <a:t>2019-07-09</a:t>
             </a:fld>
             <a:endParaRPr lang="ko-KR" altLang="en-US"/>
           </a:p>
@@ -743,7 +743,7 @@
           <a:p>
             <a:fld id="{FB30EDBD-1C2D-4C1E-B459-B60219FAB484}" type="datetimeFigureOut">
               <a:rPr lang="ko-KR" altLang="en-US" smtClean="0"/>
-              <a:t>2019-07-07</a:t>
+              <a:t>2019-07-09</a:t>
             </a:fld>
             <a:endParaRPr lang="ko-KR" altLang="en-US"/>
           </a:p>
@@ -906,7 +906,7 @@
           <a:p>
             <a:fld id="{FB30EDBD-1C2D-4C1E-B459-B60219FAB484}" type="datetimeFigureOut">
               <a:rPr lang="ko-KR" altLang="en-US" smtClean="0"/>
-              <a:t>2019-07-07</a:t>
+              <a:t>2019-07-09</a:t>
             </a:fld>
             <a:endParaRPr lang="ko-KR" altLang="en-US"/>
           </a:p>
@@ -1079,7 +1079,7 @@
           <a:p>
             <a:fld id="{FB30EDBD-1C2D-4C1E-B459-B60219FAB484}" type="datetimeFigureOut">
               <a:rPr lang="ko-KR" altLang="en-US" smtClean="0"/>
-              <a:t>2019-07-07</a:t>
+              <a:t>2019-07-09</a:t>
             </a:fld>
             <a:endParaRPr lang="ko-KR" altLang="en-US"/>
           </a:p>
@@ -1242,7 +1242,7 @@
           <a:p>
             <a:fld id="{FB30EDBD-1C2D-4C1E-B459-B60219FAB484}" type="datetimeFigureOut">
               <a:rPr lang="ko-KR" altLang="en-US" smtClean="0"/>
-              <a:t>2019-07-07</a:t>
+              <a:t>2019-07-09</a:t>
             </a:fld>
             <a:endParaRPr lang="ko-KR" altLang="en-US"/>
           </a:p>
@@ -1482,7 +1482,7 @@
           <a:p>
             <a:fld id="{FB30EDBD-1C2D-4C1E-B459-B60219FAB484}" type="datetimeFigureOut">
               <a:rPr lang="ko-KR" altLang="en-US" smtClean="0"/>
-              <a:t>2019-07-07</a:t>
+              <a:t>2019-07-09</a:t>
             </a:fld>
             <a:endParaRPr lang="ko-KR" altLang="en-US"/>
           </a:p>
@@ -1762,7 +1762,7 @@
           <a:p>
             <a:fld id="{FB30EDBD-1C2D-4C1E-B459-B60219FAB484}" type="datetimeFigureOut">
               <a:rPr lang="ko-KR" altLang="en-US" smtClean="0"/>
-              <a:t>2019-07-07</a:t>
+              <a:t>2019-07-09</a:t>
             </a:fld>
             <a:endParaRPr lang="ko-KR" altLang="en-US"/>
           </a:p>
@@ -2176,7 +2176,7 @@
           <a:p>
             <a:fld id="{FB30EDBD-1C2D-4C1E-B459-B60219FAB484}" type="datetimeFigureOut">
               <a:rPr lang="ko-KR" altLang="en-US" smtClean="0"/>
-              <a:t>2019-07-07</a:t>
+              <a:t>2019-07-09</a:t>
             </a:fld>
             <a:endParaRPr lang="ko-KR" altLang="en-US"/>
           </a:p>
@@ -2288,7 +2288,7 @@
           <a:p>
             <a:fld id="{FB30EDBD-1C2D-4C1E-B459-B60219FAB484}" type="datetimeFigureOut">
               <a:rPr lang="ko-KR" altLang="en-US" smtClean="0"/>
-              <a:t>2019-07-07</a:t>
+              <a:t>2019-07-09</a:t>
             </a:fld>
             <a:endParaRPr lang="ko-KR" altLang="en-US"/>
           </a:p>
@@ -2378,7 +2378,7 @@
           <a:p>
             <a:fld id="{FB30EDBD-1C2D-4C1E-B459-B60219FAB484}" type="datetimeFigureOut">
               <a:rPr lang="ko-KR" altLang="en-US" smtClean="0"/>
-              <a:t>2019-07-07</a:t>
+              <a:t>2019-07-09</a:t>
             </a:fld>
             <a:endParaRPr lang="ko-KR" altLang="en-US"/>
           </a:p>
@@ -2648,7 +2648,7 @@
           <a:p>
             <a:fld id="{FB30EDBD-1C2D-4C1E-B459-B60219FAB484}" type="datetimeFigureOut">
               <a:rPr lang="ko-KR" altLang="en-US" smtClean="0"/>
-              <a:t>2019-07-07</a:t>
+              <a:t>2019-07-09</a:t>
             </a:fld>
             <a:endParaRPr lang="ko-KR" altLang="en-US"/>
           </a:p>
@@ -2895,7 +2895,7 @@
           <a:p>
             <a:fld id="{FB30EDBD-1C2D-4C1E-B459-B60219FAB484}" type="datetimeFigureOut">
               <a:rPr lang="ko-KR" altLang="en-US" smtClean="0"/>
-              <a:t>2019-07-07</a:t>
+              <a:t>2019-07-09</a:t>
             </a:fld>
             <a:endParaRPr lang="ko-KR" altLang="en-US"/>
           </a:p>
@@ -3101,7 +3101,7 @@
           <a:p>
             <a:fld id="{FB30EDBD-1C2D-4C1E-B459-B60219FAB484}" type="datetimeFigureOut">
               <a:rPr lang="ko-KR" altLang="en-US" smtClean="0"/>
-              <a:t>2019-07-07</a:t>
+              <a:t>2019-07-09</a:t>
             </a:fld>
             <a:endParaRPr lang="ko-KR" altLang="en-US"/>
           </a:p>
@@ -4899,7 +4899,7 @@
           </p:cNvPr>
           <p:cNvCxnSpPr>
             <a:cxnSpLocks/>
-            <a:stCxn id="63" idx="1"/>
+            <a:stCxn id="52" idx="1"/>
             <a:endCxn id="36" idx="3"/>
           </p:cNvCxnSpPr>
           <p:nvPr/>
@@ -4907,7 +4907,7 @@
         <p:spPr>
           <a:xfrm flipH="1" flipV="1">
             <a:off x="2355428" y="3939902"/>
-            <a:ext cx="826353" cy="112054"/>
+            <a:ext cx="826353" cy="366564"/>
           </a:xfrm>
           <a:prstGeom prst="line">
             <a:avLst/>
@@ -4944,7 +4944,7 @@
           </p:cNvPr>
           <p:cNvCxnSpPr>
             <a:cxnSpLocks/>
-            <a:stCxn id="64" idx="3"/>
+            <a:stCxn id="54" idx="3"/>
             <a:endCxn id="38" idx="1"/>
           </p:cNvCxnSpPr>
           <p:nvPr/>
@@ -4952,7 +4952,7 @@
         <p:spPr>
           <a:xfrm flipV="1">
             <a:off x="5962219" y="3795886"/>
-            <a:ext cx="832300" cy="256070"/>
+            <a:ext cx="832300" cy="510580"/>
           </a:xfrm>
           <a:prstGeom prst="line">
             <a:avLst/>
@@ -4980,10 +4980,10 @@
       </p:cxnSp>
       <p:sp>
         <p:nvSpPr>
-          <p:cNvPr id="62" name="모서리가 둥근 직사각형 13">
+          <p:cNvPr id="51" name="모서리가 둥근 직사각형 13">
             <a:extLst>
               <a:ext uri="{FF2B5EF4-FFF2-40B4-BE49-F238E27FC236}">
-                <a16:creationId xmlns:a16="http://schemas.microsoft.com/office/drawing/2014/main" id="{F98840AB-49CB-4735-938D-5B07E70D465C}"/>
+                <a16:creationId xmlns:a16="http://schemas.microsoft.com/office/drawing/2014/main" id="{CB2548A7-D8DB-4C7F-B91D-C63ED3B8E5EA}"/>
               </a:ext>
             </a:extLst>
           </p:cNvPr>
@@ -4992,8 +4992,8 @@
         </p:nvSpPr>
         <p:spPr>
           <a:xfrm>
-            <a:off x="3108612" y="3429002"/>
-            <a:ext cx="2926777" cy="958700"/>
+            <a:off x="3108612" y="3429001"/>
+            <a:ext cx="2926777" cy="1206794"/>
           </a:xfrm>
           <a:prstGeom prst="roundRect">
             <a:avLst>
@@ -5023,7 +5023,7 @@
             <a:pPr algn="ctr"/>
             <a:r>
               <a:rPr lang="en-US" altLang="ko-KR" sz="1600" b="1"/>
-              <a:t>Node 04 : Deploy</a:t>
+              <a:t>Node 09 : Monitoring, Deploy</a:t>
             </a:r>
           </a:p>
           <a:p>
@@ -5034,10 +5034,10 @@
       </p:sp>
       <p:sp>
         <p:nvSpPr>
-          <p:cNvPr id="63" name="모서리가 둥근 직사각형 18">
+          <p:cNvPr id="52" name="모서리가 둥근 직사각형 18">
             <a:extLst>
               <a:ext uri="{FF2B5EF4-FFF2-40B4-BE49-F238E27FC236}">
-                <a16:creationId xmlns:a16="http://schemas.microsoft.com/office/drawing/2014/main" id="{763DBFD4-D0FF-4C37-9AD2-9B19B73087BC}"/>
+                <a16:creationId xmlns:a16="http://schemas.microsoft.com/office/drawing/2014/main" id="{F8F971CB-CA28-42E9-8D99-DA78E0B16773}"/>
               </a:ext>
             </a:extLst>
           </p:cNvPr>
@@ -5046,7 +5046,7 @@
         </p:nvSpPr>
         <p:spPr>
           <a:xfrm>
-            <a:off x="3181781" y="3799928"/>
+            <a:off x="3181781" y="4054438"/>
             <a:ext cx="1350348" cy="504056"/>
           </a:xfrm>
           <a:prstGeom prst="roundRect">
@@ -5096,10 +5096,10 @@
       </p:sp>
       <p:sp>
         <p:nvSpPr>
-          <p:cNvPr id="64" name="모서리가 둥근 직사각형 23">
+          <p:cNvPr id="54" name="모서리가 둥근 직사각형 23">
             <a:extLst>
               <a:ext uri="{FF2B5EF4-FFF2-40B4-BE49-F238E27FC236}">
-                <a16:creationId xmlns:a16="http://schemas.microsoft.com/office/drawing/2014/main" id="{571DE45A-D0A5-4743-8E96-A41CFFE10D8D}"/>
+                <a16:creationId xmlns:a16="http://schemas.microsoft.com/office/drawing/2014/main" id="{6F70D7B7-DB4A-4547-96A0-742354A3DDB2}"/>
               </a:ext>
             </a:extLst>
           </p:cNvPr>
@@ -5108,7 +5108,7 @@
         </p:nvSpPr>
         <p:spPr>
           <a:xfrm>
-            <a:off x="4620297" y="3799928"/>
+            <a:off x="4620297" y="4054438"/>
             <a:ext cx="1341922" cy="504056"/>
           </a:xfrm>
           <a:prstGeom prst="roundRect">

--- a/images/record/OpenStack_Stein_Install_Kolla-Ansible_Ubuntu_18.04_ODROID-H2_Cluster/OpenStack_Stein_Install_Ansible_Ubuntu_18.04_ODROID-H2_Cluster.pptx
+++ b/images/record/OpenStack_Stein_Install_Kolla-Ansible_Ubuntu_18.04_ODROID-H2_Cluster/OpenStack_Stein_Install_Ansible_Ubuntu_18.04_ODROID-H2_Cluster.pptx
@@ -3540,7 +3540,7 @@
             <a:pPr algn="ctr"/>
             <a:r>
               <a:rPr lang="en-US" altLang="ko-KR" sz="1600" b="1"/>
-              <a:t>Node 01 : Controller, Network</a:t>
+              <a:t>Node 01 : Controller, Network, Ceph</a:t>
             </a:r>
             <a:endParaRPr lang="ko-KR" altLang="en-US" sz="1400" dirty="0"/>
           </a:p>
@@ -3585,15 +3585,7 @@
             <a:pPr algn="ctr"/>
             <a:r>
               <a:rPr lang="en-US" altLang="ko-KR" sz="1200"/>
-              <a:t>enp0s2 1Gbps</a:t>
-            </a:r>
-            <a:endParaRPr lang="en-US" altLang="ko-KR" sz="1200" dirty="0"/>
-          </a:p>
-          <a:p>
-            <a:pPr algn="ctr"/>
-            <a:r>
-              <a:rPr lang="en-US" altLang="ko-KR" sz="1200"/>
-              <a:t>192.168.0.30</a:t>
+              <a:t>enp0s2 192.168.0.30</a:t>
             </a:r>
             <a:endParaRPr lang="en-US" altLang="ko-KR" sz="1200" dirty="0"/>
           </a:p>
@@ -3642,7 +3634,7 @@
             <a:pPr algn="ctr"/>
             <a:r>
               <a:rPr lang="en-US" altLang="ko-KR" sz="1200"/>
-              <a:t>enp0s3 1Gbps</a:t>
+              <a:t>enp0s3</a:t>
             </a:r>
             <a:endParaRPr lang="en-US" altLang="ko-KR" sz="1200" dirty="0"/>
           </a:p>
@@ -3705,7 +3697,7 @@
             <a:pPr algn="ctr"/>
             <a:r>
               <a:rPr lang="en-US" altLang="ko-KR" sz="1600" b="1"/>
-              <a:t>Node 02 : Compute</a:t>
+              <a:t>Node 02 : Compute, Ceph</a:t>
             </a:r>
             <a:endParaRPr lang="ko-KR" altLang="en-US" sz="1600" dirty="0"/>
           </a:p>
@@ -3882,7 +3874,7 @@
             <a:pPr algn="ctr"/>
             <a:r>
               <a:rPr lang="en-US" altLang="ko-KR" sz="1600" b="1"/>
-              <a:t>Node 03 : Compute</a:t>
+              <a:t>Node 03 : Compute, Ceph</a:t>
             </a:r>
             <a:endParaRPr lang="ko-KR" altLang="en-US" sz="1600" dirty="0"/>
           </a:p>
@@ -4330,7 +4322,7 @@
             <a:pPr algn="ctr"/>
             <a:r>
               <a:rPr lang="en-US" altLang="ko-KR" sz="1200"/>
-              <a:t>64G eMMC</a:t>
+              <a:t>rootfs</a:t>
             </a:r>
           </a:p>
           <a:p>
@@ -4391,7 +4383,7 @@
             <a:pPr algn="ctr"/>
             <a:r>
               <a:rPr lang="en-US" altLang="ko-KR" sz="1200"/>
-              <a:t>256GB M.2</a:t>
+              <a:t>Ceph Storage</a:t>
             </a:r>
           </a:p>
           <a:p>
@@ -4452,7 +4444,7 @@
             <a:pPr algn="ctr"/>
             <a:r>
               <a:rPr lang="en-US" altLang="ko-KR" sz="1200"/>
-              <a:t>64G eMMC</a:t>
+              <a:t>rootfs</a:t>
             </a:r>
           </a:p>
           <a:p>
@@ -4513,7 +4505,7 @@
             <a:pPr algn="ctr"/>
             <a:r>
               <a:rPr lang="en-US" altLang="ko-KR" sz="1200"/>
-              <a:t>256GB M.2</a:t>
+              <a:t>Ceph Storage</a:t>
             </a:r>
           </a:p>
           <a:p>
@@ -4574,7 +4566,7 @@
             <a:pPr algn="ctr"/>
             <a:r>
               <a:rPr lang="en-US" altLang="ko-KR" sz="1200"/>
-              <a:t>64G eMMC</a:t>
+              <a:t>rootfs</a:t>
             </a:r>
           </a:p>
           <a:p>
@@ -4635,7 +4627,7 @@
             <a:pPr algn="ctr"/>
             <a:r>
               <a:rPr lang="en-US" altLang="ko-KR" sz="1200"/>
-              <a:t>256GB M.2</a:t>
+              <a:t>Ceph Storage</a:t>
             </a:r>
             <a:endParaRPr lang="en-US" altLang="ko-KR" sz="1200" dirty="0"/>
           </a:p>
@@ -5023,7 +5015,7 @@
             <a:pPr algn="ctr"/>
             <a:r>
               <a:rPr lang="en-US" altLang="ko-KR" sz="1600" b="1"/>
-              <a:t>Node 09 : Monitoring, Deploy</a:t>
+              <a:t>Node 09 : Monitoring, Registry, Deploy</a:t>
             </a:r>
           </a:p>
           <a:p>

--- a/images/record/OpenStack_Stein_Install_Kolla-Ansible_Ubuntu_18.04_ODROID-H2_Cluster/OpenStack_Stein_Install_Ansible_Ubuntu_18.04_ODROID-H2_Cluster.pptx
+++ b/images/record/OpenStack_Stein_Install_Kolla-Ansible_Ubuntu_18.04_ODROID-H2_Cluster/OpenStack_Stein_Install_Ansible_Ubuntu_18.04_ODROID-H2_Cluster.pptx
@@ -3748,7 +3748,7 @@
             <a:pPr algn="ctr"/>
             <a:r>
               <a:rPr lang="en-US" altLang="ko-KR" sz="1200"/>
-              <a:t>enp0s2 1Gbps</a:t>
+              <a:t>enp0s2</a:t>
             </a:r>
             <a:endParaRPr lang="en-US" altLang="ko-KR" sz="1200" dirty="0"/>
           </a:p>
@@ -3811,7 +3811,7 @@
             <a:pPr algn="ctr"/>
             <a:r>
               <a:rPr lang="en-US" altLang="ko-KR" sz="1200"/>
-              <a:t>enp0s3 1Gbps</a:t>
+              <a:t>enp0s3</a:t>
             </a:r>
             <a:endParaRPr lang="en-US" altLang="ko-KR" sz="1200" dirty="0"/>
           </a:p>
@@ -3988,7 +3988,7 @@
             <a:pPr algn="ctr"/>
             <a:r>
               <a:rPr lang="en-US" altLang="ko-KR" sz="1200"/>
-              <a:t>enp0s3 1Gbps</a:t>
+              <a:t>enp0s3</a:t>
             </a:r>
             <a:endParaRPr lang="en-US" altLang="ko-KR" sz="1200" dirty="0"/>
           </a:p>
